--- a/reports/D2/images/Approach.pptx
+++ b/reports/D2/images/Approach.pptx
@@ -3797,27 +3797,8 @@
                 </a:solidFill>
                 <a:sym typeface="Helvetica Neue Bold Condensed"/>
               </a:rPr>
-              <a:t>non-equivalent, non-</a:t>
-            </a:r>
-            <a:r>
-              <a:rPr lang="en-US" sz="1969" dirty="0" err="1">
-                <a:solidFill>
-                  <a:schemeClr val="tx1">
-                    <a:lumMod val="50000"/>
-                  </a:schemeClr>
-                </a:solidFill>
-                <a:sym typeface="Helvetica Neue Bold Condensed"/>
-              </a:rPr>
-              <a:t>dundant</a:t>
-            </a:r>
-            <a:endParaRPr lang="en-US" sz="1969" dirty="0">
-              <a:solidFill>
-                <a:schemeClr val="tx1">
-                  <a:lumMod val="50000"/>
-                </a:schemeClr>
-              </a:solidFill>
-              <a:sym typeface="Helvetica Neue Bold Condensed"/>
-            </a:endParaRPr>
+              <a:t>non-equivalent, nonredundant</a:t>
+            </a:r>
           </a:p>
         </p:txBody>
       </p:sp>
